--- a/ppt/JapanRobotWeek2018_講習会_3部.pptx
+++ b/ppt/JapanRobotWeek2018_講習会_3部.pptx
@@ -9794,7 +9794,7 @@
           <a:graphicData uri="http://schemas.openxmlformats.org/presentationml/2006/ole">
             <mc:AlternateContent xmlns:mc="http://schemas.openxmlformats.org/markup-compatibility/2006">
               <mc:Choice xmlns:v="urn:schemas-microsoft-com:vml" Requires="v">
-                <p:oleObj spid="_x0000_s1177" name="Corel DESIGNER" r:id="rId18" imgW="2743200" imgH="1536480" progId="Corel DESIGNER.Graphic.10">
+                <p:oleObj spid="_x0000_s1178" name="Corel DESIGNER" r:id="rId18" imgW="2743200" imgH="1536480" progId="Corel DESIGNER.Graphic.10">
                   <p:embed/>
                 </p:oleObj>
               </mc:Choice>
@@ -12144,80 +12144,6 @@
             </a:endParaRPr>
           </a:p>
           <a:p>
-            <a:pPr lvl="1" eaLnBrk="1" hangingPunct="1">
-              <a:lnSpc>
-                <a:spcPct val="80000"/>
-              </a:lnSpc>
-              <a:defRPr/>
-            </a:pPr>
-            <a:r>
-              <a:rPr lang="ja-JP" altLang="en-US" sz="1600" kern="0" dirty="0">
-                <a:solidFill>
-                  <a:srgbClr val="5F5F5F"/>
-                </a:solidFill>
-              </a:rPr>
-              <a:t>マーカーを認識して</a:t>
-            </a:r>
-            <a:r>
-              <a:rPr lang="en-US" altLang="ja-JP" sz="1600" kern="0" dirty="0">
-                <a:solidFill>
-                  <a:srgbClr val="5F5F5F"/>
-                </a:solidFill>
-              </a:rPr>
-              <a:t>Raspberry Pi</a:t>
-            </a:r>
-            <a:r>
-              <a:rPr lang="ja-JP" altLang="en-US" sz="1600" kern="0" dirty="0">
-                <a:solidFill>
-                  <a:srgbClr val="5F5F5F"/>
-                </a:solidFill>
-              </a:rPr>
-              <a:t>マウスを追従させる</a:t>
-            </a:r>
-            <a:endParaRPr lang="en-US" altLang="ja-JP" sz="1600" kern="0" dirty="0">
-              <a:solidFill>
-                <a:srgbClr val="5F5F5F"/>
-              </a:solidFill>
-            </a:endParaRPr>
-          </a:p>
-          <a:p>
-            <a:pPr lvl="2" eaLnBrk="1" hangingPunct="1">
-              <a:lnSpc>
-                <a:spcPct val="80000"/>
-              </a:lnSpc>
-              <a:defRPr/>
-            </a:pPr>
-            <a:r>
-              <a:rPr lang="ja-JP" altLang="en-US" sz="1400" kern="0" dirty="0">
-                <a:solidFill>
-                  <a:srgbClr val="5F5F5F"/>
-                </a:solidFill>
-              </a:rPr>
-              <a:t>カメラは</a:t>
-            </a:r>
-            <a:r>
-              <a:rPr lang="en-US" altLang="ja-JP" sz="1400" kern="0" dirty="0">
-                <a:solidFill>
-                  <a:srgbClr val="5F5F5F"/>
-                </a:solidFill>
-              </a:rPr>
-              <a:t>2</a:t>
-            </a:r>
-            <a:r>
-              <a:rPr lang="ja-JP" altLang="en-US" sz="1400" kern="0" dirty="0">
-                <a:solidFill>
-                  <a:srgbClr val="5F5F5F"/>
-                </a:solidFill>
-              </a:rPr>
-              <a:t>台まで貸し出し</a:t>
-            </a:r>
-            <a:endParaRPr lang="en-US" altLang="ja-JP" sz="1200" kern="0" dirty="0">
-              <a:solidFill>
-                <a:srgbClr val="5F5F5F"/>
-              </a:solidFill>
-            </a:endParaRPr>
-          </a:p>
-          <a:p>
             <a:pPr eaLnBrk="1" hangingPunct="1">
               <a:lnSpc>
                 <a:spcPct val="80000"/>
@@ -12225,12 +12151,20 @@
               <a:defRPr/>
             </a:pPr>
             <a:r>
+              <a:rPr lang="ja-JP" altLang="en-US" sz="2000" kern="0">
+                <a:solidFill>
+                  <a:srgbClr val="5F5F5F"/>
+                </a:solidFill>
+              </a:rPr>
+              <a:t>実習</a:t>
+            </a:r>
+            <a:r>
               <a:rPr lang="ja-JP" altLang="en-US" sz="2000" kern="0" dirty="0">
                 <a:solidFill>
                   <a:srgbClr val="5F5F5F"/>
                 </a:solidFill>
               </a:rPr>
-              <a:t>実習を終了する際について</a:t>
+              <a:t>を終了する際について</a:t>
             </a:r>
             <a:endParaRPr lang="en-US" altLang="ja-JP" sz="2000" kern="0" dirty="0">
               <a:solidFill>
